--- a/Final+Project.pptx
+++ b/Final+Project.pptx
@@ -259,7 +259,7 @@
           <a:p>
             <a:fld id="{5136D79D-A8AE-4C60-BA86-CBAA94A16B93}" type="datetimeFigureOut">
               <a:rPr lang="en-US" smtClean="0"/>
-              <a:t>11/23/2018</a:t>
+              <a:t>11/24/2018</a:t>
             </a:fld>
             <a:endParaRPr lang="en-US"/>
           </a:p>
@@ -427,7 +427,7 @@
           <a:p>
             <a:fld id="{5136D79D-A8AE-4C60-BA86-CBAA94A16B93}" type="datetimeFigureOut">
               <a:rPr lang="en-US" smtClean="0"/>
-              <a:t>11/23/2018</a:t>
+              <a:t>11/24/2018</a:t>
             </a:fld>
             <a:endParaRPr lang="en-US"/>
           </a:p>
@@ -605,7 +605,7 @@
           <a:p>
             <a:fld id="{5136D79D-A8AE-4C60-BA86-CBAA94A16B93}" type="datetimeFigureOut">
               <a:rPr lang="en-US" smtClean="0"/>
-              <a:t>11/23/2018</a:t>
+              <a:t>11/24/2018</a:t>
             </a:fld>
             <a:endParaRPr lang="en-US"/>
           </a:p>
@@ -773,7 +773,7 @@
           <a:p>
             <a:fld id="{5136D79D-A8AE-4C60-BA86-CBAA94A16B93}" type="datetimeFigureOut">
               <a:rPr lang="en-US" smtClean="0"/>
-              <a:t>11/23/2018</a:t>
+              <a:t>11/24/2018</a:t>
             </a:fld>
             <a:endParaRPr lang="en-US"/>
           </a:p>
@@ -1018,7 +1018,7 @@
           <a:p>
             <a:fld id="{5136D79D-A8AE-4C60-BA86-CBAA94A16B93}" type="datetimeFigureOut">
               <a:rPr lang="en-US" smtClean="0"/>
-              <a:t>11/23/2018</a:t>
+              <a:t>11/24/2018</a:t>
             </a:fld>
             <a:endParaRPr lang="en-US"/>
           </a:p>
@@ -1247,7 +1247,7 @@
           <a:p>
             <a:fld id="{5136D79D-A8AE-4C60-BA86-CBAA94A16B93}" type="datetimeFigureOut">
               <a:rPr lang="en-US" smtClean="0"/>
-              <a:t>11/23/2018</a:t>
+              <a:t>11/24/2018</a:t>
             </a:fld>
             <a:endParaRPr lang="en-US"/>
           </a:p>
@@ -1616,7 +1616,7 @@
           <a:p>
             <a:fld id="{5136D79D-A8AE-4C60-BA86-CBAA94A16B93}" type="datetimeFigureOut">
               <a:rPr lang="en-US" smtClean="0"/>
-              <a:t>11/23/2018</a:t>
+              <a:t>11/24/2018</a:t>
             </a:fld>
             <a:endParaRPr lang="en-US"/>
           </a:p>
@@ -1738,7 +1738,7 @@
           <a:p>
             <a:fld id="{5136D79D-A8AE-4C60-BA86-CBAA94A16B93}" type="datetimeFigureOut">
               <a:rPr lang="en-US" smtClean="0"/>
-              <a:t>11/23/2018</a:t>
+              <a:t>11/24/2018</a:t>
             </a:fld>
             <a:endParaRPr lang="en-US"/>
           </a:p>
@@ -1833,7 +1833,7 @@
           <a:p>
             <a:fld id="{5136D79D-A8AE-4C60-BA86-CBAA94A16B93}" type="datetimeFigureOut">
               <a:rPr lang="en-US" smtClean="0"/>
-              <a:t>11/23/2018</a:t>
+              <a:t>11/24/2018</a:t>
             </a:fld>
             <a:endParaRPr lang="en-US"/>
           </a:p>
@@ -2108,7 +2108,7 @@
           <a:p>
             <a:fld id="{5136D79D-A8AE-4C60-BA86-CBAA94A16B93}" type="datetimeFigureOut">
               <a:rPr lang="en-US" smtClean="0"/>
-              <a:t>11/23/2018</a:t>
+              <a:t>11/24/2018</a:t>
             </a:fld>
             <a:endParaRPr lang="en-US"/>
           </a:p>
@@ -2365,7 +2365,7 @@
           <a:p>
             <a:fld id="{5136D79D-A8AE-4C60-BA86-CBAA94A16B93}" type="datetimeFigureOut">
               <a:rPr lang="en-US" smtClean="0"/>
-              <a:t>11/23/2018</a:t>
+              <a:t>11/24/2018</a:t>
             </a:fld>
             <a:endParaRPr lang="en-US"/>
           </a:p>
@@ -2576,7 +2576,7 @@
           <a:p>
             <a:fld id="{5136D79D-A8AE-4C60-BA86-CBAA94A16B93}" type="datetimeFigureOut">
               <a:rPr lang="en-US" smtClean="0"/>
-              <a:t>11/23/2018</a:t>
+              <a:t>11/24/2018</a:t>
             </a:fld>
             <a:endParaRPr lang="en-US"/>
           </a:p>
@@ -3692,7 +3692,7 @@
           <a:p>
             <a:r>
               <a:rPr lang="en-US" dirty="0"/>
-              <a:t>Enhanced Security</a:t>
+              <a:t>Enhanced Security (Done)</a:t>
             </a:r>
           </a:p>
         </p:txBody>
@@ -3763,7 +3763,7 @@
           <a:p>
             <a:r>
               <a:rPr lang="en-US" dirty="0"/>
-              <a:t>Salted and Hashed Password</a:t>
+              <a:t>Salted and Hashed Password(DONE)</a:t>
             </a:r>
           </a:p>
         </p:txBody>
@@ -3914,7 +3914,7 @@
           <a:p>
             <a:r>
               <a:rPr lang="en-US" dirty="0"/>
-              <a:t>Home</a:t>
+              <a:t>Home (Almost done)</a:t>
             </a:r>
           </a:p>
         </p:txBody>
@@ -4007,7 +4007,7 @@
           <a:p>
             <a:r>
               <a:rPr lang="en-US" dirty="0"/>
-              <a:t>In Homepage, a user sees twits from those she follows + those she is mentioned in + those posted by her</a:t>
+              <a:t>In Homepage, a user sees twits from those she follows (NOT DONE) + those she is mentioned in + those posted by her</a:t>
             </a:r>
           </a:p>
           <a:p>
@@ -4525,7 +4525,7 @@
         <p:spPr/>
         <p:txBody>
           <a:bodyPr>
-            <a:normAutofit/>
+            <a:normAutofit lnSpcReduction="10000"/>
           </a:bodyPr>
           <a:lstStyle/>
           <a:p>
@@ -4538,14 +4538,14 @@
             <a:pPr lvl="1"/>
             <a:r>
               <a:rPr lang="en-US" dirty="0"/>
-              <a:t>Remember me, 5 points</a:t>
+              <a:t>Remember me, 5 points (DONE)</a:t>
             </a:r>
           </a:p>
           <a:p>
             <a:pPr lvl="1"/>
             <a:r>
               <a:rPr lang="en-US" dirty="0"/>
-              <a:t>Notifications, 20 points (DONE needs testing Extra Credit as well)</a:t>
+              <a:t>Notifications, 20 points (DONE needs testing Extra Credit is done needs testing)</a:t>
             </a:r>
           </a:p>
           <a:p>
@@ -4573,20 +4573,15 @@
             <a:pPr lvl="1"/>
             <a:r>
               <a:rPr lang="en-US" dirty="0"/>
-              <a:t>Enhanced Security, 15 points</a:t>
+              <a:t>Enhanced Security, 15 points (DONE pending testing)</a:t>
             </a:r>
           </a:p>
           <a:p>
             <a:pPr lvl="1"/>
             <a:r>
               <a:rPr lang="en-US" dirty="0"/>
-              <a:t>Home: 10 points (Partially done, missing </a:t>
-            </a:r>
-            <a:r>
-              <a:rPr lang="en-US"/>
-              <a:t>followed tweets)</a:t>
-            </a:r>
-            <a:endParaRPr lang="en-US" dirty="0"/>
+              <a:t>Home: 10 points (Partially done, missing followed tweets)</a:t>
+            </a:r>
           </a:p>
           <a:p>
             <a:pPr lvl="2"/>
@@ -4666,7 +4661,7 @@
           <a:p>
             <a:r>
               <a:rPr lang="en-US" dirty="0"/>
-              <a:t>Notifications</a:t>
+              <a:t>Notifications (DONE)</a:t>
             </a:r>
           </a:p>
         </p:txBody>
@@ -4737,7 +4732,7 @@
           <a:p>
             <a:r>
               <a:rPr lang="en-US" dirty="0"/>
-              <a:t>Notifications</a:t>
+              <a:t>Notifications (DONE)</a:t>
             </a:r>
           </a:p>
         </p:txBody>
